--- a/3.reUnity/Ge1_4_uGUI.pptx
+++ b/3.reUnity/Ge1_4_uGUI.pptx
@@ -265,7 +265,7 @@
           <a:p>
             <a:fld id="{C9C3C1B3-0E61-4942-A09A-02F2EAE54150}" type="datetimeFigureOut">
               <a:rPr kumimoji="1" lang="ja-JP" altLang="en-US" smtClean="0"/>
-              <a:t>2023/9/4</a:t>
+              <a:t>2023/9/7</a:t>
             </a:fld>
             <a:endParaRPr kumimoji="1" lang="ja-JP" altLang="en-US"/>
           </a:p>
@@ -711,7 +711,7 @@
           <a:p>
             <a:fld id="{691E08CE-871E-42A1-882B-8194E9FA60B7}" type="datetimeFigureOut">
               <a:rPr kumimoji="1" lang="ja-JP" altLang="en-US" smtClean="0"/>
-              <a:t>2023/9/4</a:t>
+              <a:t>2023/9/7</a:t>
             </a:fld>
             <a:endParaRPr kumimoji="1" lang="ja-JP" altLang="en-US"/>
           </a:p>
@@ -941,7 +941,7 @@
           <a:p>
             <a:fld id="{691E08CE-871E-42A1-882B-8194E9FA60B7}" type="datetimeFigureOut">
               <a:rPr kumimoji="1" lang="ja-JP" altLang="en-US" smtClean="0"/>
-              <a:t>2023/9/4</a:t>
+              <a:t>2023/9/7</a:t>
             </a:fld>
             <a:endParaRPr kumimoji="1" lang="ja-JP" altLang="en-US"/>
           </a:p>
@@ -1181,7 +1181,7 @@
           <a:p>
             <a:fld id="{691E08CE-871E-42A1-882B-8194E9FA60B7}" type="datetimeFigureOut">
               <a:rPr kumimoji="1" lang="ja-JP" altLang="en-US" smtClean="0"/>
-              <a:t>2023/9/4</a:t>
+              <a:t>2023/9/7</a:t>
             </a:fld>
             <a:endParaRPr kumimoji="1" lang="ja-JP" altLang="en-US"/>
           </a:p>
@@ -1411,7 +1411,7 @@
           <a:p>
             <a:fld id="{691E08CE-871E-42A1-882B-8194E9FA60B7}" type="datetimeFigureOut">
               <a:rPr kumimoji="1" lang="ja-JP" altLang="en-US" smtClean="0"/>
-              <a:t>2023/9/4</a:t>
+              <a:t>2023/9/7</a:t>
             </a:fld>
             <a:endParaRPr kumimoji="1" lang="ja-JP" altLang="en-US"/>
           </a:p>
@@ -1686,7 +1686,7 @@
           <a:p>
             <a:fld id="{691E08CE-871E-42A1-882B-8194E9FA60B7}" type="datetimeFigureOut">
               <a:rPr kumimoji="1" lang="ja-JP" altLang="en-US" smtClean="0"/>
-              <a:t>2023/9/4</a:t>
+              <a:t>2023/9/7</a:t>
             </a:fld>
             <a:endParaRPr kumimoji="1" lang="ja-JP" altLang="en-US"/>
           </a:p>
@@ -2015,7 +2015,7 @@
           <a:p>
             <a:fld id="{691E08CE-871E-42A1-882B-8194E9FA60B7}" type="datetimeFigureOut">
               <a:rPr kumimoji="1" lang="ja-JP" altLang="en-US" smtClean="0"/>
-              <a:t>2023/9/4</a:t>
+              <a:t>2023/9/7</a:t>
             </a:fld>
             <a:endParaRPr kumimoji="1" lang="ja-JP" altLang="en-US"/>
           </a:p>
@@ -2491,7 +2491,7 @@
           <a:p>
             <a:fld id="{691E08CE-871E-42A1-882B-8194E9FA60B7}" type="datetimeFigureOut">
               <a:rPr kumimoji="1" lang="ja-JP" altLang="en-US" smtClean="0"/>
-              <a:t>2023/9/4</a:t>
+              <a:t>2023/9/7</a:t>
             </a:fld>
             <a:endParaRPr kumimoji="1" lang="ja-JP" altLang="en-US"/>
           </a:p>
@@ -2632,7 +2632,7 @@
           <a:p>
             <a:fld id="{691E08CE-871E-42A1-882B-8194E9FA60B7}" type="datetimeFigureOut">
               <a:rPr kumimoji="1" lang="ja-JP" altLang="en-US" smtClean="0"/>
-              <a:t>2023/9/4</a:t>
+              <a:t>2023/9/7</a:t>
             </a:fld>
             <a:endParaRPr kumimoji="1" lang="ja-JP" altLang="en-US"/>
           </a:p>
@@ -2745,7 +2745,7 @@
           <a:p>
             <a:fld id="{691E08CE-871E-42A1-882B-8194E9FA60B7}" type="datetimeFigureOut">
               <a:rPr kumimoji="1" lang="ja-JP" altLang="en-US" smtClean="0"/>
-              <a:t>2023/9/4</a:t>
+              <a:t>2023/9/7</a:t>
             </a:fld>
             <a:endParaRPr kumimoji="1" lang="ja-JP" altLang="en-US"/>
           </a:p>
@@ -3088,7 +3088,7 @@
           <a:p>
             <a:fld id="{691E08CE-871E-42A1-882B-8194E9FA60B7}" type="datetimeFigureOut">
               <a:rPr kumimoji="1" lang="ja-JP" altLang="en-US" smtClean="0"/>
-              <a:t>2023/9/4</a:t>
+              <a:t>2023/9/7</a:t>
             </a:fld>
             <a:endParaRPr kumimoji="1" lang="ja-JP" altLang="en-US"/>
           </a:p>
@@ -3376,7 +3376,7 @@
           <a:p>
             <a:fld id="{691E08CE-871E-42A1-882B-8194E9FA60B7}" type="datetimeFigureOut">
               <a:rPr kumimoji="1" lang="ja-JP" altLang="en-US" smtClean="0"/>
-              <a:t>2023/9/4</a:t>
+              <a:t>2023/9/7</a:t>
             </a:fld>
             <a:endParaRPr kumimoji="1" lang="ja-JP" altLang="en-US"/>
           </a:p>
@@ -3649,7 +3649,7 @@
           <a:p>
             <a:fld id="{691E08CE-871E-42A1-882B-8194E9FA60B7}" type="datetimeFigureOut">
               <a:rPr kumimoji="1" lang="ja-JP" altLang="en-US" smtClean="0"/>
-              <a:t>2023/9/4</a:t>
+              <a:t>2023/9/7</a:t>
             </a:fld>
             <a:endParaRPr kumimoji="1" lang="ja-JP" altLang="en-US"/>
           </a:p>
@@ -8944,13 +8944,13 @@
         </p:spPr>
         <p:txBody>
           <a:bodyPr>
-            <a:normAutofit/>
+            <a:normAutofit lnSpcReduction="10000"/>
           </a:bodyPr>
           <a:lstStyle/>
           <a:p>
             <a:r>
               <a:rPr kumimoji="1" lang="ja-JP" altLang="en-US" sz="3200" b="1" u="sng" dirty="0"/>
-              <a:t>今回のアジェンダ</a:t>
+              <a:t>アジェンダ</a:t>
             </a:r>
             <a:endParaRPr kumimoji="1" lang="en-US" altLang="ja-JP" sz="3200" b="1" u="sng" dirty="0"/>
           </a:p>
@@ -8963,45 +8963,40 @@
               <a:t>・</a:t>
             </a:r>
             <a:r>
-              <a:rPr kumimoji="1" lang="en-US" altLang="ja-JP" sz="3200" dirty="0"/>
-              <a:t>UI</a:t>
-            </a:r>
+              <a:rPr kumimoji="1" lang="en-US" altLang="ja-JP" sz="3200" dirty="0" err="1"/>
+              <a:t>uUI</a:t>
+            </a:r>
+            <a:r>
+              <a:rPr kumimoji="1" lang="ja-JP" altLang="en-US" sz="3200" dirty="0"/>
+              <a:t>とは？</a:t>
+            </a:r>
+            <a:endParaRPr kumimoji="1" lang="en-US" altLang="ja-JP" sz="3200" dirty="0"/>
           </a:p>
           <a:p>
             <a:pPr marL="0" indent="0">
               <a:buNone/>
             </a:pPr>
             <a:r>
-              <a:rPr kumimoji="1" lang="ja-JP" altLang="en-US" sz="3200" dirty="0"/>
+              <a:rPr lang="ja-JP" altLang="en-US" sz="3200" dirty="0"/>
               <a:t>・</a:t>
             </a:r>
             <a:r>
-              <a:rPr kumimoji="1" lang="en-US" altLang="ja-JP" sz="3200" dirty="0"/>
-              <a:t>2D</a:t>
-            </a:r>
-            <a:r>
-              <a:rPr lang="ja-JP" altLang="en-US" sz="3200" dirty="0"/>
-              <a:t>グラフィック</a:t>
-            </a:r>
-            <a:endParaRPr lang="en-US" altLang="ja-JP" sz="3200" dirty="0"/>
+              <a:rPr lang="en-US" altLang="ja-JP" sz="3200" dirty="0"/>
+              <a:t>Canvas</a:t>
+            </a:r>
           </a:p>
           <a:p>
             <a:pPr marL="0" indent="0">
               <a:buNone/>
             </a:pPr>
             <a:r>
-              <a:rPr lang="ja-JP" altLang="en-US" sz="3200" dirty="0"/>
+              <a:rPr kumimoji="1" lang="ja-JP" altLang="en-US" sz="3200" dirty="0"/>
               <a:t>・</a:t>
             </a:r>
             <a:r>
-              <a:rPr lang="en-US" altLang="ja-JP" sz="3200" dirty="0"/>
-              <a:t>2D</a:t>
-            </a:r>
-            <a:r>
-              <a:rPr lang="ja-JP" altLang="en-US" sz="3200" dirty="0"/>
-              <a:t>アニメーション</a:t>
-            </a:r>
-            <a:endParaRPr lang="en-US" altLang="ja-JP" sz="3200" dirty="0"/>
+              <a:rPr kumimoji="1" lang="en-US" altLang="ja-JP" sz="3200" dirty="0"/>
+              <a:t>Image</a:t>
+            </a:r>
           </a:p>
           <a:p>
             <a:pPr marL="0" indent="0">
@@ -9013,13 +9008,16 @@
             </a:r>
             <a:r>
               <a:rPr lang="en-US" altLang="ja-JP" sz="3200" dirty="0"/>
-              <a:t>3D</a:t>
-            </a:r>
-            <a:r>
-              <a:rPr lang="ja-JP" altLang="en-US" sz="3200" dirty="0"/>
-              <a:t>モデル</a:t>
-            </a:r>
-            <a:endParaRPr kumimoji="1" lang="en-US" altLang="ja-JP" sz="3200" dirty="0"/>
+              <a:t>Text(</a:t>
+            </a:r>
+            <a:r>
+              <a:rPr lang="en-US" altLang="ja-JP" sz="3200" dirty="0" err="1"/>
+              <a:t>TextMeshPro</a:t>
+            </a:r>
+            <a:r>
+              <a:rPr lang="en-US" altLang="ja-JP" sz="3200" dirty="0"/>
+              <a:t>)</a:t>
+            </a:r>
           </a:p>
           <a:p>
             <a:pPr marL="0" indent="0">
@@ -9031,34 +9029,21 @@
             </a:r>
             <a:r>
               <a:rPr lang="en-US" altLang="ja-JP" sz="3200" dirty="0"/>
-              <a:t>3D</a:t>
-            </a:r>
-            <a:r>
-              <a:rPr lang="ja-JP" altLang="en-US" sz="3200" dirty="0"/>
-              <a:t>アニメーション</a:t>
-            </a:r>
-            <a:endParaRPr kumimoji="1" lang="en-US" altLang="ja-JP" sz="3200" dirty="0"/>
+              <a:t>Button</a:t>
+            </a:r>
           </a:p>
           <a:p>
             <a:pPr marL="0" indent="0">
               <a:buNone/>
             </a:pPr>
             <a:r>
-              <a:rPr kumimoji="1" lang="ja-JP" altLang="en-US" sz="3200" b="1" dirty="0"/>
+              <a:rPr kumimoji="1" lang="ja-JP" altLang="en-US" sz="3200" dirty="0"/>
               <a:t>・</a:t>
             </a:r>
             <a:r>
-              <a:rPr kumimoji="1" lang="ja-JP" altLang="en-US" sz="3200" b="1" u="sng" dirty="0"/>
-              <a:t>課題</a:t>
-            </a:r>
-            <a:br>
-              <a:rPr kumimoji="1" lang="en-US" altLang="ja-JP" sz="3200" b="1" u="sng" dirty="0"/>
-            </a:br>
-            <a:r>
-              <a:rPr kumimoji="1" lang="ja-JP" altLang="en-US" sz="3200" dirty="0"/>
-              <a:t>・確認問題</a:t>
-            </a:r>
-            <a:endParaRPr kumimoji="1" lang="en-US" altLang="ja-JP" sz="3200" dirty="0"/>
+              <a:rPr kumimoji="1" lang="en-US" altLang="ja-JP" sz="3200" dirty="0"/>
+              <a:t>Panel</a:t>
+            </a:r>
           </a:p>
           <a:p>
             <a:pPr marL="0" indent="0">
@@ -9066,7 +9051,31 @@
             </a:pPr>
             <a:r>
               <a:rPr lang="ja-JP" altLang="en-US" sz="3200" dirty="0"/>
-              <a:t>・課題</a:t>
+              <a:t>・レイヤー</a:t>
+            </a:r>
+            <a:endParaRPr lang="en-US" altLang="ja-JP" sz="3200" dirty="0"/>
+          </a:p>
+          <a:p>
+            <a:pPr marL="0" indent="0">
+              <a:buNone/>
+            </a:pPr>
+            <a:r>
+              <a:rPr kumimoji="1" lang="ja-JP" altLang="en-US" sz="3200" dirty="0"/>
+              <a:t>・</a:t>
+            </a:r>
+            <a:r>
+              <a:rPr kumimoji="1" lang="en-US" altLang="ja-JP" sz="3200" dirty="0" err="1"/>
+              <a:t>ReactTransform</a:t>
+            </a:r>
+            <a:endParaRPr kumimoji="1" lang="en-US" altLang="ja-JP" sz="3200" dirty="0"/>
+          </a:p>
+          <a:p>
+            <a:pPr marL="0" indent="0">
+              <a:buNone/>
+            </a:pPr>
+            <a:r>
+              <a:rPr lang="ja-JP" altLang="en-US" sz="3200" dirty="0"/>
+              <a:t>・アンカー</a:t>
             </a:r>
             <a:endParaRPr kumimoji="1" lang="en-US" altLang="ja-JP" sz="3200" dirty="0"/>
           </a:p>
@@ -9266,605 +9275,6 @@
               <a:rPr lang="ja-JP" altLang="en-US" dirty="0"/>
               <a:t>）</a:t>
             </a:r>
-          </a:p>
-        </p:txBody>
-      </p:sp>
-      <p:sp>
-        <p:nvSpPr>
-          <p:cNvPr id="6" name="コンテンツ プレースホルダー 2">
-            <a:extLst>
-              <a:ext uri="{FF2B5EF4-FFF2-40B4-BE49-F238E27FC236}">
-                <a16:creationId xmlns:a16="http://schemas.microsoft.com/office/drawing/2014/main" id="{5235F61D-3CF2-4C99-ACDE-D55779AA25AE}"/>
-              </a:ext>
-            </a:extLst>
-          </p:cNvPr>
-          <p:cNvSpPr txBox="1">
-            <a:spLocks/>
-          </p:cNvSpPr>
-          <p:nvPr/>
-        </p:nvSpPr>
-        <p:spPr>
-          <a:xfrm>
-            <a:off x="6096000" y="1104035"/>
-            <a:ext cx="4580586" cy="2057176"/>
-          </a:xfrm>
-          <a:prstGeom prst="rect">
-            <a:avLst/>
-          </a:prstGeom>
-        </p:spPr>
-        <p:txBody>
-          <a:bodyPr vert="horz" lIns="91440" tIns="45720" rIns="91440" bIns="45720" rtlCol="0">
-            <a:normAutofit/>
-          </a:bodyPr>
-          <a:lstStyle>
-            <a:lvl1pPr marL="342900" indent="-342900" algn="l" defTabSz="457200" rtl="0" eaLnBrk="1" latinLnBrk="0" hangingPunct="1">
-              <a:spcBef>
-                <a:spcPts val="1000"/>
-              </a:spcBef>
-              <a:spcAft>
-                <a:spcPts val="0"/>
-              </a:spcAft>
-              <a:buClr>
-                <a:schemeClr val="accent1"/>
-              </a:buClr>
-              <a:buSzPct val="80000"/>
-              <a:buFont typeface="Wingdings 3" charset="2"/>
-              <a:buChar char=""/>
-              <a:defRPr kumimoji="1" sz="1800" kern="1200">
-                <a:solidFill>
-                  <a:schemeClr val="tx1">
-                    <a:lumMod val="75000"/>
-                    <a:lumOff val="25000"/>
-                  </a:schemeClr>
-                </a:solidFill>
-                <a:latin typeface="+mn-lt"/>
-                <a:ea typeface="+mn-ea"/>
-                <a:cs typeface="+mn-cs"/>
-              </a:defRPr>
-            </a:lvl1pPr>
-            <a:lvl2pPr marL="742950" indent="-285750" algn="l" defTabSz="457200" rtl="0" eaLnBrk="1" latinLnBrk="0" hangingPunct="1">
-              <a:spcBef>
-                <a:spcPts val="1000"/>
-              </a:spcBef>
-              <a:spcAft>
-                <a:spcPts val="0"/>
-              </a:spcAft>
-              <a:buClr>
-                <a:schemeClr val="accent1"/>
-              </a:buClr>
-              <a:buSzPct val="80000"/>
-              <a:buFont typeface="Wingdings 3" charset="2"/>
-              <a:buChar char=""/>
-              <a:defRPr kumimoji="1" sz="1600" kern="1200">
-                <a:solidFill>
-                  <a:schemeClr val="tx1">
-                    <a:lumMod val="75000"/>
-                    <a:lumOff val="25000"/>
-                  </a:schemeClr>
-                </a:solidFill>
-                <a:latin typeface="+mn-lt"/>
-                <a:ea typeface="+mn-ea"/>
-                <a:cs typeface="+mn-cs"/>
-              </a:defRPr>
-            </a:lvl2pPr>
-            <a:lvl3pPr marL="1143000" indent="-228600" algn="l" defTabSz="457200" rtl="0" eaLnBrk="1" latinLnBrk="0" hangingPunct="1">
-              <a:spcBef>
-                <a:spcPts val="1000"/>
-              </a:spcBef>
-              <a:spcAft>
-                <a:spcPts val="0"/>
-              </a:spcAft>
-              <a:buClr>
-                <a:schemeClr val="accent1"/>
-              </a:buClr>
-              <a:buSzPct val="80000"/>
-              <a:buFont typeface="Wingdings 3" charset="2"/>
-              <a:buChar char=""/>
-              <a:defRPr kumimoji="1" sz="1400" kern="1200">
-                <a:solidFill>
-                  <a:schemeClr val="tx1">
-                    <a:lumMod val="75000"/>
-                    <a:lumOff val="25000"/>
-                  </a:schemeClr>
-                </a:solidFill>
-                <a:latin typeface="+mn-lt"/>
-                <a:ea typeface="+mn-ea"/>
-                <a:cs typeface="+mn-cs"/>
-              </a:defRPr>
-            </a:lvl3pPr>
-            <a:lvl4pPr marL="1600200" indent="-228600" algn="l" defTabSz="457200" rtl="0" eaLnBrk="1" latinLnBrk="0" hangingPunct="1">
-              <a:spcBef>
-                <a:spcPts val="1000"/>
-              </a:spcBef>
-              <a:spcAft>
-                <a:spcPts val="0"/>
-              </a:spcAft>
-              <a:buClr>
-                <a:schemeClr val="accent1"/>
-              </a:buClr>
-              <a:buSzPct val="80000"/>
-              <a:buFont typeface="Wingdings 3" charset="2"/>
-              <a:buChar char=""/>
-              <a:defRPr kumimoji="1" sz="1200" kern="1200">
-                <a:solidFill>
-                  <a:schemeClr val="tx1">
-                    <a:lumMod val="75000"/>
-                    <a:lumOff val="25000"/>
-                  </a:schemeClr>
-                </a:solidFill>
-                <a:latin typeface="+mn-lt"/>
-                <a:ea typeface="+mn-ea"/>
-                <a:cs typeface="+mn-cs"/>
-              </a:defRPr>
-            </a:lvl4pPr>
-            <a:lvl5pPr marL="2057400" indent="-228600" algn="l" defTabSz="457200" rtl="0" eaLnBrk="1" latinLnBrk="0" hangingPunct="1">
-              <a:spcBef>
-                <a:spcPts val="1000"/>
-              </a:spcBef>
-              <a:spcAft>
-                <a:spcPts val="0"/>
-              </a:spcAft>
-              <a:buClr>
-                <a:schemeClr val="accent1"/>
-              </a:buClr>
-              <a:buSzPct val="80000"/>
-              <a:buFont typeface="Wingdings 3" charset="2"/>
-              <a:buChar char=""/>
-              <a:defRPr kumimoji="1" sz="1200" kern="1200">
-                <a:solidFill>
-                  <a:schemeClr val="tx1">
-                    <a:lumMod val="75000"/>
-                    <a:lumOff val="25000"/>
-                  </a:schemeClr>
-                </a:solidFill>
-                <a:latin typeface="+mn-lt"/>
-                <a:ea typeface="+mn-ea"/>
-                <a:cs typeface="+mn-cs"/>
-              </a:defRPr>
-            </a:lvl5pPr>
-            <a:lvl6pPr marL="2514600" indent="-228600" algn="l" defTabSz="457200" rtl="0" eaLnBrk="1" latinLnBrk="0" hangingPunct="1">
-              <a:spcBef>
-                <a:spcPts val="1000"/>
-              </a:spcBef>
-              <a:spcAft>
-                <a:spcPts val="0"/>
-              </a:spcAft>
-              <a:buClr>
-                <a:schemeClr val="accent1"/>
-              </a:buClr>
-              <a:buSzPct val="80000"/>
-              <a:buFont typeface="Wingdings 3" charset="2"/>
-              <a:buChar char=""/>
-              <a:defRPr kumimoji="1" sz="1200" kern="1200">
-                <a:solidFill>
-                  <a:schemeClr val="tx1">
-                    <a:lumMod val="75000"/>
-                    <a:lumOff val="25000"/>
-                  </a:schemeClr>
-                </a:solidFill>
-                <a:latin typeface="+mn-lt"/>
-                <a:ea typeface="+mn-ea"/>
-                <a:cs typeface="+mn-cs"/>
-              </a:defRPr>
-            </a:lvl6pPr>
-            <a:lvl7pPr marL="2971800" indent="-228600" algn="l" defTabSz="457200" rtl="0" eaLnBrk="1" latinLnBrk="0" hangingPunct="1">
-              <a:spcBef>
-                <a:spcPts val="1000"/>
-              </a:spcBef>
-              <a:spcAft>
-                <a:spcPts val="0"/>
-              </a:spcAft>
-              <a:buClr>
-                <a:schemeClr val="accent1"/>
-              </a:buClr>
-              <a:buSzPct val="80000"/>
-              <a:buFont typeface="Wingdings 3" charset="2"/>
-              <a:buChar char=""/>
-              <a:defRPr kumimoji="1" sz="1200" kern="1200">
-                <a:solidFill>
-                  <a:schemeClr val="tx1">
-                    <a:lumMod val="75000"/>
-                    <a:lumOff val="25000"/>
-                  </a:schemeClr>
-                </a:solidFill>
-                <a:latin typeface="+mn-lt"/>
-                <a:ea typeface="+mn-ea"/>
-                <a:cs typeface="+mn-cs"/>
-              </a:defRPr>
-            </a:lvl7pPr>
-            <a:lvl8pPr marL="3429000" indent="-228600" algn="l" defTabSz="457200" rtl="0" eaLnBrk="1" latinLnBrk="0" hangingPunct="1">
-              <a:spcBef>
-                <a:spcPts val="1000"/>
-              </a:spcBef>
-              <a:spcAft>
-                <a:spcPts val="0"/>
-              </a:spcAft>
-              <a:buClr>
-                <a:schemeClr val="accent1"/>
-              </a:buClr>
-              <a:buSzPct val="80000"/>
-              <a:buFont typeface="Wingdings 3" charset="2"/>
-              <a:buChar char=""/>
-              <a:defRPr kumimoji="1" sz="1200" kern="1200">
-                <a:solidFill>
-                  <a:schemeClr val="tx1">
-                    <a:lumMod val="75000"/>
-                    <a:lumOff val="25000"/>
-                  </a:schemeClr>
-                </a:solidFill>
-                <a:latin typeface="+mn-lt"/>
-                <a:ea typeface="+mn-ea"/>
-                <a:cs typeface="+mn-cs"/>
-              </a:defRPr>
-            </a:lvl8pPr>
-            <a:lvl9pPr marL="3886200" indent="-228600" algn="l" defTabSz="457200" rtl="0" eaLnBrk="1" latinLnBrk="0" hangingPunct="1">
-              <a:spcBef>
-                <a:spcPts val="1000"/>
-              </a:spcBef>
-              <a:spcAft>
-                <a:spcPts val="0"/>
-              </a:spcAft>
-              <a:buClr>
-                <a:schemeClr val="accent1"/>
-              </a:buClr>
-              <a:buSzPct val="80000"/>
-              <a:buFont typeface="Wingdings 3" charset="2"/>
-              <a:buChar char=""/>
-              <a:defRPr kumimoji="1" sz="1200" kern="1200">
-                <a:solidFill>
-                  <a:schemeClr val="tx1">
-                    <a:lumMod val="75000"/>
-                    <a:lumOff val="25000"/>
-                  </a:schemeClr>
-                </a:solidFill>
-                <a:latin typeface="+mn-lt"/>
-                <a:ea typeface="+mn-ea"/>
-                <a:cs typeface="+mn-cs"/>
-              </a:defRPr>
-            </a:lvl9pPr>
-          </a:lstStyle>
-          <a:p>
-            <a:pPr marL="0" indent="0">
-              <a:buNone/>
-            </a:pPr>
-            <a:r>
-              <a:rPr lang="ja-JP" altLang="en-US" sz="3200" b="1" dirty="0"/>
-              <a:t>・</a:t>
-            </a:r>
-            <a:r>
-              <a:rPr lang="ja-JP" altLang="en-US" sz="3200" b="1" u="sng" dirty="0"/>
-              <a:t>今回の範囲</a:t>
-            </a:r>
-            <a:endParaRPr lang="en-US" altLang="ja-JP" sz="3200" b="1" u="sng" dirty="0"/>
-          </a:p>
-          <a:p>
-            <a:pPr marL="0" indent="0">
-              <a:buFont typeface="Wingdings 3" charset="2"/>
-              <a:buNone/>
-            </a:pPr>
-            <a:r>
-              <a:rPr lang="ja-JP" altLang="en-US" sz="2800" dirty="0"/>
-              <a:t>・</a:t>
-            </a:r>
-            <a:r>
-              <a:rPr lang="en-US" altLang="ja-JP" sz="2800" dirty="0"/>
-              <a:t>Unity3D: Chapter4</a:t>
-            </a:r>
-            <a:r>
-              <a:rPr lang="ja-JP" altLang="en-US" sz="2800" dirty="0"/>
-              <a:t>以降</a:t>
-            </a:r>
-            <a:endParaRPr lang="en-US" altLang="ja-JP" sz="2800" dirty="0"/>
-          </a:p>
-          <a:p>
-            <a:pPr marL="0" indent="0">
-              <a:buNone/>
-            </a:pPr>
-            <a:r>
-              <a:rPr lang="ja-JP" altLang="en-US" sz="2800" dirty="0"/>
-              <a:t>・課題：スライド内に記述</a:t>
-            </a:r>
-            <a:endParaRPr lang="en-US" altLang="ja-JP" sz="3200" dirty="0"/>
-          </a:p>
-          <a:p>
-            <a:pPr marL="0" indent="0">
-              <a:buNone/>
-            </a:pPr>
-            <a:endParaRPr lang="en-US" altLang="ja-JP" sz="3200" dirty="0"/>
-          </a:p>
-          <a:p>
-            <a:endParaRPr lang="en-US" altLang="ja-JP" sz="3200" dirty="0"/>
-          </a:p>
-          <a:p>
-            <a:pPr marL="0" indent="0">
-              <a:buNone/>
-            </a:pPr>
-            <a:endParaRPr lang="ja-JP" altLang="en-US" sz="3200" dirty="0"/>
-          </a:p>
-        </p:txBody>
-      </p:sp>
-      <p:sp>
-        <p:nvSpPr>
-          <p:cNvPr id="10" name="コンテンツ プレースホルダー 2">
-            <a:extLst>
-              <a:ext uri="{FF2B5EF4-FFF2-40B4-BE49-F238E27FC236}">
-                <a16:creationId xmlns:a16="http://schemas.microsoft.com/office/drawing/2014/main" id="{D0F3806F-8E77-43E2-9653-95D5D7A0F129}"/>
-              </a:ext>
-            </a:extLst>
-          </p:cNvPr>
-          <p:cNvSpPr txBox="1">
-            <a:spLocks/>
-          </p:cNvSpPr>
-          <p:nvPr/>
-        </p:nvSpPr>
-        <p:spPr>
-          <a:xfrm>
-            <a:off x="6229612" y="3655646"/>
-            <a:ext cx="5962388" cy="2057176"/>
-          </a:xfrm>
-          <a:prstGeom prst="rect">
-            <a:avLst/>
-          </a:prstGeom>
-        </p:spPr>
-        <p:txBody>
-          <a:bodyPr vert="horz" lIns="91440" tIns="45720" rIns="91440" bIns="45720" rtlCol="0">
-            <a:normAutofit/>
-          </a:bodyPr>
-          <a:lstStyle>
-            <a:lvl1pPr marL="342900" indent="-342900" algn="l" defTabSz="457200" rtl="0" eaLnBrk="1" latinLnBrk="0" hangingPunct="1">
-              <a:spcBef>
-                <a:spcPts val="1000"/>
-              </a:spcBef>
-              <a:spcAft>
-                <a:spcPts val="0"/>
-              </a:spcAft>
-              <a:buClr>
-                <a:schemeClr val="accent1"/>
-              </a:buClr>
-              <a:buSzPct val="80000"/>
-              <a:buFont typeface="Wingdings 3" charset="2"/>
-              <a:buChar char=""/>
-              <a:defRPr kumimoji="1" sz="1800" kern="1200">
-                <a:solidFill>
-                  <a:schemeClr val="tx1">
-                    <a:lumMod val="75000"/>
-                    <a:lumOff val="25000"/>
-                  </a:schemeClr>
-                </a:solidFill>
-                <a:latin typeface="+mn-lt"/>
-                <a:ea typeface="+mn-ea"/>
-                <a:cs typeface="+mn-cs"/>
-              </a:defRPr>
-            </a:lvl1pPr>
-            <a:lvl2pPr marL="742950" indent="-285750" algn="l" defTabSz="457200" rtl="0" eaLnBrk="1" latinLnBrk="0" hangingPunct="1">
-              <a:spcBef>
-                <a:spcPts val="1000"/>
-              </a:spcBef>
-              <a:spcAft>
-                <a:spcPts val="0"/>
-              </a:spcAft>
-              <a:buClr>
-                <a:schemeClr val="accent1"/>
-              </a:buClr>
-              <a:buSzPct val="80000"/>
-              <a:buFont typeface="Wingdings 3" charset="2"/>
-              <a:buChar char=""/>
-              <a:defRPr kumimoji="1" sz="1600" kern="1200">
-                <a:solidFill>
-                  <a:schemeClr val="tx1">
-                    <a:lumMod val="75000"/>
-                    <a:lumOff val="25000"/>
-                  </a:schemeClr>
-                </a:solidFill>
-                <a:latin typeface="+mn-lt"/>
-                <a:ea typeface="+mn-ea"/>
-                <a:cs typeface="+mn-cs"/>
-              </a:defRPr>
-            </a:lvl2pPr>
-            <a:lvl3pPr marL="1143000" indent="-228600" algn="l" defTabSz="457200" rtl="0" eaLnBrk="1" latinLnBrk="0" hangingPunct="1">
-              <a:spcBef>
-                <a:spcPts val="1000"/>
-              </a:spcBef>
-              <a:spcAft>
-                <a:spcPts val="0"/>
-              </a:spcAft>
-              <a:buClr>
-                <a:schemeClr val="accent1"/>
-              </a:buClr>
-              <a:buSzPct val="80000"/>
-              <a:buFont typeface="Wingdings 3" charset="2"/>
-              <a:buChar char=""/>
-              <a:defRPr kumimoji="1" sz="1400" kern="1200">
-                <a:solidFill>
-                  <a:schemeClr val="tx1">
-                    <a:lumMod val="75000"/>
-                    <a:lumOff val="25000"/>
-                  </a:schemeClr>
-                </a:solidFill>
-                <a:latin typeface="+mn-lt"/>
-                <a:ea typeface="+mn-ea"/>
-                <a:cs typeface="+mn-cs"/>
-              </a:defRPr>
-            </a:lvl3pPr>
-            <a:lvl4pPr marL="1600200" indent="-228600" algn="l" defTabSz="457200" rtl="0" eaLnBrk="1" latinLnBrk="0" hangingPunct="1">
-              <a:spcBef>
-                <a:spcPts val="1000"/>
-              </a:spcBef>
-              <a:spcAft>
-                <a:spcPts val="0"/>
-              </a:spcAft>
-              <a:buClr>
-                <a:schemeClr val="accent1"/>
-              </a:buClr>
-              <a:buSzPct val="80000"/>
-              <a:buFont typeface="Wingdings 3" charset="2"/>
-              <a:buChar char=""/>
-              <a:defRPr kumimoji="1" sz="1200" kern="1200">
-                <a:solidFill>
-                  <a:schemeClr val="tx1">
-                    <a:lumMod val="75000"/>
-                    <a:lumOff val="25000"/>
-                  </a:schemeClr>
-                </a:solidFill>
-                <a:latin typeface="+mn-lt"/>
-                <a:ea typeface="+mn-ea"/>
-                <a:cs typeface="+mn-cs"/>
-              </a:defRPr>
-            </a:lvl4pPr>
-            <a:lvl5pPr marL="2057400" indent="-228600" algn="l" defTabSz="457200" rtl="0" eaLnBrk="1" latinLnBrk="0" hangingPunct="1">
-              <a:spcBef>
-                <a:spcPts val="1000"/>
-              </a:spcBef>
-              <a:spcAft>
-                <a:spcPts val="0"/>
-              </a:spcAft>
-              <a:buClr>
-                <a:schemeClr val="accent1"/>
-              </a:buClr>
-              <a:buSzPct val="80000"/>
-              <a:buFont typeface="Wingdings 3" charset="2"/>
-              <a:buChar char=""/>
-              <a:defRPr kumimoji="1" sz="1200" kern="1200">
-                <a:solidFill>
-                  <a:schemeClr val="tx1">
-                    <a:lumMod val="75000"/>
-                    <a:lumOff val="25000"/>
-                  </a:schemeClr>
-                </a:solidFill>
-                <a:latin typeface="+mn-lt"/>
-                <a:ea typeface="+mn-ea"/>
-                <a:cs typeface="+mn-cs"/>
-              </a:defRPr>
-            </a:lvl5pPr>
-            <a:lvl6pPr marL="2514600" indent="-228600" algn="l" defTabSz="457200" rtl="0" eaLnBrk="1" latinLnBrk="0" hangingPunct="1">
-              <a:spcBef>
-                <a:spcPts val="1000"/>
-              </a:spcBef>
-              <a:spcAft>
-                <a:spcPts val="0"/>
-              </a:spcAft>
-              <a:buClr>
-                <a:schemeClr val="accent1"/>
-              </a:buClr>
-              <a:buSzPct val="80000"/>
-              <a:buFont typeface="Wingdings 3" charset="2"/>
-              <a:buChar char=""/>
-              <a:defRPr kumimoji="1" sz="1200" kern="1200">
-                <a:solidFill>
-                  <a:schemeClr val="tx1">
-                    <a:lumMod val="75000"/>
-                    <a:lumOff val="25000"/>
-                  </a:schemeClr>
-                </a:solidFill>
-                <a:latin typeface="+mn-lt"/>
-                <a:ea typeface="+mn-ea"/>
-                <a:cs typeface="+mn-cs"/>
-              </a:defRPr>
-            </a:lvl6pPr>
-            <a:lvl7pPr marL="2971800" indent="-228600" algn="l" defTabSz="457200" rtl="0" eaLnBrk="1" latinLnBrk="0" hangingPunct="1">
-              <a:spcBef>
-                <a:spcPts val="1000"/>
-              </a:spcBef>
-              <a:spcAft>
-                <a:spcPts val="0"/>
-              </a:spcAft>
-              <a:buClr>
-                <a:schemeClr val="accent1"/>
-              </a:buClr>
-              <a:buSzPct val="80000"/>
-              <a:buFont typeface="Wingdings 3" charset="2"/>
-              <a:buChar char=""/>
-              <a:defRPr kumimoji="1" sz="1200" kern="1200">
-                <a:solidFill>
-                  <a:schemeClr val="tx1">
-                    <a:lumMod val="75000"/>
-                    <a:lumOff val="25000"/>
-                  </a:schemeClr>
-                </a:solidFill>
-                <a:latin typeface="+mn-lt"/>
-                <a:ea typeface="+mn-ea"/>
-                <a:cs typeface="+mn-cs"/>
-              </a:defRPr>
-            </a:lvl7pPr>
-            <a:lvl8pPr marL="3429000" indent="-228600" algn="l" defTabSz="457200" rtl="0" eaLnBrk="1" latinLnBrk="0" hangingPunct="1">
-              <a:spcBef>
-                <a:spcPts val="1000"/>
-              </a:spcBef>
-              <a:spcAft>
-                <a:spcPts val="0"/>
-              </a:spcAft>
-              <a:buClr>
-                <a:schemeClr val="accent1"/>
-              </a:buClr>
-              <a:buSzPct val="80000"/>
-              <a:buFont typeface="Wingdings 3" charset="2"/>
-              <a:buChar char=""/>
-              <a:defRPr kumimoji="1" sz="1200" kern="1200">
-                <a:solidFill>
-                  <a:schemeClr val="tx1">
-                    <a:lumMod val="75000"/>
-                    <a:lumOff val="25000"/>
-                  </a:schemeClr>
-                </a:solidFill>
-                <a:latin typeface="+mn-lt"/>
-                <a:ea typeface="+mn-ea"/>
-                <a:cs typeface="+mn-cs"/>
-              </a:defRPr>
-            </a:lvl8pPr>
-            <a:lvl9pPr marL="3886200" indent="-228600" algn="l" defTabSz="457200" rtl="0" eaLnBrk="1" latinLnBrk="0" hangingPunct="1">
-              <a:spcBef>
-                <a:spcPts val="1000"/>
-              </a:spcBef>
-              <a:spcAft>
-                <a:spcPts val="0"/>
-              </a:spcAft>
-              <a:buClr>
-                <a:schemeClr val="accent1"/>
-              </a:buClr>
-              <a:buSzPct val="80000"/>
-              <a:buFont typeface="Wingdings 3" charset="2"/>
-              <a:buChar char=""/>
-              <a:defRPr kumimoji="1" sz="1200" kern="1200">
-                <a:solidFill>
-                  <a:schemeClr val="tx1">
-                    <a:lumMod val="75000"/>
-                    <a:lumOff val="25000"/>
-                  </a:schemeClr>
-                </a:solidFill>
-                <a:latin typeface="+mn-lt"/>
-                <a:ea typeface="+mn-ea"/>
-                <a:cs typeface="+mn-cs"/>
-              </a:defRPr>
-            </a:lvl9pPr>
-          </a:lstStyle>
-          <a:p>
-            <a:pPr marL="0" indent="0">
-              <a:buNone/>
-            </a:pPr>
-            <a:r>
-              <a:rPr lang="ja-JP" altLang="en-US" sz="3200" b="1" dirty="0"/>
-              <a:t>・</a:t>
-            </a:r>
-            <a:r>
-              <a:rPr lang="ja-JP" altLang="en-US" sz="3200" b="1" u="sng" dirty="0"/>
-              <a:t>今回のリポジトリ</a:t>
-            </a:r>
-            <a:endParaRPr lang="en-US" altLang="ja-JP" sz="3200" b="1" u="sng" dirty="0"/>
-          </a:p>
-          <a:p>
-            <a:pPr marL="0" indent="0">
-              <a:buNone/>
-            </a:pPr>
-            <a:r>
-              <a:rPr lang="en-US" altLang="ja-JP" dirty="0"/>
-              <a:t>https://github.com/MahiroCreative/publicStudent</a:t>
-            </a:r>
-          </a:p>
-          <a:p>
-            <a:pPr marL="0" indent="0">
-              <a:buNone/>
-            </a:pPr>
-            <a:endParaRPr lang="ja-JP" altLang="en-US" sz="3200" dirty="0"/>
           </a:p>
         </p:txBody>
       </p:sp>
